--- a/SevenSegmentDisplay.pptx
+++ b/SevenSegmentDisplay.pptx
@@ -5,11 +5,12 @@
     <p:sldMasterId id="2147483648" r:id="rId1"/>
   </p:sldMasterIdLst>
   <p:notesMasterIdLst>
-    <p:notesMasterId r:id="rId4"/>
+    <p:notesMasterId r:id="rId5"/>
   </p:notesMasterIdLst>
   <p:sldIdLst>
     <p:sldId id="256" r:id="rId2"/>
     <p:sldId id="257" r:id="rId3"/>
+    <p:sldId id="258" r:id="rId4"/>
   </p:sldIdLst>
   <p:sldSz cx="12192000" cy="6858000"/>
   <p:notesSz cx="6858000" cy="9144000"/>
@@ -198,7 +199,7 @@
           <a:p>
             <a:fld id="{ECBB0955-4AEC-457D-982B-18C9696E27E3}" type="datetimeFigureOut">
               <a:rPr lang="de-DE" smtClean="0"/>
-              <a:t>25.05.2022</a:t>
+              <a:t>18.09.2022</a:t>
             </a:fld>
             <a:endParaRPr lang="de-DE"/>
           </a:p>
@@ -705,7 +706,7 @@
           <a:p>
             <a:fld id="{14D621F1-1C39-4D7B-9382-997E16CF79A9}" type="datetimeFigureOut">
               <a:rPr lang="de-DE" smtClean="0"/>
-              <a:t>25.05.2022</a:t>
+              <a:t>18.09.2022</a:t>
             </a:fld>
             <a:endParaRPr lang="de-DE"/>
           </a:p>
@@ -903,7 +904,7 @@
           <a:p>
             <a:fld id="{14D621F1-1C39-4D7B-9382-997E16CF79A9}" type="datetimeFigureOut">
               <a:rPr lang="de-DE" smtClean="0"/>
-              <a:t>25.05.2022</a:t>
+              <a:t>18.09.2022</a:t>
             </a:fld>
             <a:endParaRPr lang="de-DE"/>
           </a:p>
@@ -1111,7 +1112,7 @@
           <a:p>
             <a:fld id="{14D621F1-1C39-4D7B-9382-997E16CF79A9}" type="datetimeFigureOut">
               <a:rPr lang="de-DE" smtClean="0"/>
-              <a:t>25.05.2022</a:t>
+              <a:t>18.09.2022</a:t>
             </a:fld>
             <a:endParaRPr lang="de-DE"/>
           </a:p>
@@ -1309,7 +1310,7 @@
           <a:p>
             <a:fld id="{14D621F1-1C39-4D7B-9382-997E16CF79A9}" type="datetimeFigureOut">
               <a:rPr lang="de-DE" smtClean="0"/>
-              <a:t>25.05.2022</a:t>
+              <a:t>18.09.2022</a:t>
             </a:fld>
             <a:endParaRPr lang="de-DE"/>
           </a:p>
@@ -1584,7 +1585,7 @@
           <a:p>
             <a:fld id="{14D621F1-1C39-4D7B-9382-997E16CF79A9}" type="datetimeFigureOut">
               <a:rPr lang="de-DE" smtClean="0"/>
-              <a:t>25.05.2022</a:t>
+              <a:t>18.09.2022</a:t>
             </a:fld>
             <a:endParaRPr lang="de-DE"/>
           </a:p>
@@ -1849,7 +1850,7 @@
           <a:p>
             <a:fld id="{14D621F1-1C39-4D7B-9382-997E16CF79A9}" type="datetimeFigureOut">
               <a:rPr lang="de-DE" smtClean="0"/>
-              <a:t>25.05.2022</a:t>
+              <a:t>18.09.2022</a:t>
             </a:fld>
             <a:endParaRPr lang="de-DE"/>
           </a:p>
@@ -2261,7 +2262,7 @@
           <a:p>
             <a:fld id="{14D621F1-1C39-4D7B-9382-997E16CF79A9}" type="datetimeFigureOut">
               <a:rPr lang="de-DE" smtClean="0"/>
-              <a:t>25.05.2022</a:t>
+              <a:t>18.09.2022</a:t>
             </a:fld>
             <a:endParaRPr lang="de-DE"/>
           </a:p>
@@ -2402,7 +2403,7 @@
           <a:p>
             <a:fld id="{14D621F1-1C39-4D7B-9382-997E16CF79A9}" type="datetimeFigureOut">
               <a:rPr lang="de-DE" smtClean="0"/>
-              <a:t>25.05.2022</a:t>
+              <a:t>18.09.2022</a:t>
             </a:fld>
             <a:endParaRPr lang="de-DE"/>
           </a:p>
@@ -2515,7 +2516,7 @@
           <a:p>
             <a:fld id="{14D621F1-1C39-4D7B-9382-997E16CF79A9}" type="datetimeFigureOut">
               <a:rPr lang="de-DE" smtClean="0"/>
-              <a:t>25.05.2022</a:t>
+              <a:t>18.09.2022</a:t>
             </a:fld>
             <a:endParaRPr lang="de-DE"/>
           </a:p>
@@ -2826,7 +2827,7 @@
           <a:p>
             <a:fld id="{14D621F1-1C39-4D7B-9382-997E16CF79A9}" type="datetimeFigureOut">
               <a:rPr lang="de-DE" smtClean="0"/>
-              <a:t>25.05.2022</a:t>
+              <a:t>18.09.2022</a:t>
             </a:fld>
             <a:endParaRPr lang="de-DE"/>
           </a:p>
@@ -3114,7 +3115,7 @@
           <a:p>
             <a:fld id="{14D621F1-1C39-4D7B-9382-997E16CF79A9}" type="datetimeFigureOut">
               <a:rPr lang="de-DE" smtClean="0"/>
-              <a:t>25.05.2022</a:t>
+              <a:t>18.09.2022</a:t>
             </a:fld>
             <a:endParaRPr lang="de-DE"/>
           </a:p>
@@ -3355,7 +3356,7 @@
           <a:p>
             <a:fld id="{14D621F1-1C39-4D7B-9382-997E16CF79A9}" type="datetimeFigureOut">
               <a:rPr lang="de-DE" smtClean="0"/>
-              <a:t>25.05.2022</a:t>
+              <a:t>18.09.2022</a:t>
             </a:fld>
             <a:endParaRPr lang="de-DE"/>
           </a:p>
@@ -4743,6 +4744,92 @@
     <p:extLst>
       <p:ext uri="{BB962C8B-B14F-4D97-AF65-F5344CB8AC3E}">
         <p14:creationId xmlns:p14="http://schemas.microsoft.com/office/powerpoint/2010/main" val="1805016633"/>
+      </p:ext>
+    </p:extLst>
+  </p:cSld>
+  <p:clrMapOvr>
+    <a:masterClrMapping/>
+  </p:clrMapOvr>
+</p:sld>
+</file>
+
+<file path=ppt/slides/slide3.xml><?xml version="1.0" encoding="utf-8"?>
+<p:sld xmlns:a="http://schemas.openxmlformats.org/drawingml/2006/main" xmlns:r="http://schemas.openxmlformats.org/officeDocument/2006/relationships" xmlns:p="http://schemas.openxmlformats.org/presentationml/2006/main">
+  <p:cSld>
+    <p:spTree>
+      <p:nvGrpSpPr>
+        <p:cNvPr id="1" name=""/>
+        <p:cNvGrpSpPr/>
+        <p:nvPr/>
+      </p:nvGrpSpPr>
+      <p:grpSpPr>
+        <a:xfrm>
+          <a:off x="0" y="0"/>
+          <a:ext cx="0" cy="0"/>
+          <a:chOff x="0" y="0"/>
+          <a:chExt cx="0" cy="0"/>
+        </a:xfrm>
+      </p:grpSpPr>
+      <p:sp>
+        <p:nvSpPr>
+          <p:cNvPr id="2" name="Ellipse 1">
+            <a:extLst>
+              <a:ext uri="{FF2B5EF4-FFF2-40B4-BE49-F238E27FC236}">
+                <a16:creationId xmlns:a16="http://schemas.microsoft.com/office/drawing/2014/main" id="{CD5272FE-450A-492E-B53B-129F9CA6D235}"/>
+              </a:ext>
+            </a:extLst>
+          </p:cNvPr>
+          <p:cNvSpPr>
+            <a:spLocks noChangeAspect="1"/>
+          </p:cNvSpPr>
+          <p:nvPr/>
+        </p:nvSpPr>
+        <p:spPr>
+          <a:xfrm>
+            <a:off x="3566679" y="899679"/>
+            <a:ext cx="5058641" cy="5058641"/>
+          </a:xfrm>
+          <a:prstGeom prst="ellipse">
+            <a:avLst/>
+          </a:prstGeom>
+          <a:solidFill>
+            <a:srgbClr val="C00000">
+              <a:alpha val="37000"/>
+            </a:srgbClr>
+          </a:solidFill>
+          <a:ln>
+            <a:noFill/>
+          </a:ln>
+        </p:spPr>
+        <p:style>
+          <a:lnRef idx="2">
+            <a:schemeClr val="accent1">
+              <a:shade val="50000"/>
+            </a:schemeClr>
+          </a:lnRef>
+          <a:fillRef idx="1">
+            <a:schemeClr val="accent1"/>
+          </a:fillRef>
+          <a:effectRef idx="0">
+            <a:schemeClr val="accent1"/>
+          </a:effectRef>
+          <a:fontRef idx="minor">
+            <a:schemeClr val="lt1"/>
+          </a:fontRef>
+        </p:style>
+        <p:txBody>
+          <a:bodyPr rtlCol="0" anchor="ctr"/>
+          <a:lstStyle/>
+          <a:p>
+            <a:pPr algn="ctr"/>
+            <a:endParaRPr lang="de-DE"/>
+          </a:p>
+        </p:txBody>
+      </p:sp>
+    </p:spTree>
+    <p:extLst>
+      <p:ext uri="{BB962C8B-B14F-4D97-AF65-F5344CB8AC3E}">
+        <p14:creationId xmlns:p14="http://schemas.microsoft.com/office/powerpoint/2010/main" val="3952888612"/>
       </p:ext>
     </p:extLst>
   </p:cSld>
